--- a/docs/мой_семинар/2.1 Пишем ТЗ и планируем.pptx
+++ b/docs/мой_семинар/2.1 Пишем ТЗ и планируем.pptx
@@ -829,7 +829,30 @@
           <a:bodyPr/>
           <a:lstStyle/>
           <a:p>
-            <a:endParaRPr lang="ru-RU"/>
+            <a:r>
+              <a:rPr lang="en" dirty="0"/>
+              <a:t>https://</a:t>
+            </a:r>
+            <a:r>
+              <a:rPr lang="en" dirty="0" err="1"/>
+              <a:t>docs.google.com</a:t>
+            </a:r>
+            <a:r>
+              <a:rPr lang="en" dirty="0"/>
+              <a:t>/spreadsheets/d/1rH8QwHy3VN_eHlhDXH9ibusqVaOkZl3D24VFNPDPq-4/</a:t>
+            </a:r>
+            <a:r>
+              <a:rPr lang="en" dirty="0" err="1"/>
+              <a:t>edit?gid</a:t>
+            </a:r>
+            <a:r>
+              <a:rPr lang="en" dirty="0"/>
+              <a:t>=0#gid=0</a:t>
+            </a:r>
+            <a:endParaRPr lang="ru-RU" dirty="0"/>
+          </a:p>
+          <a:p>
+            <a:endParaRPr lang="ru-RU" dirty="0"/>
           </a:p>
         </p:txBody>
       </p:sp>
@@ -1026,7 +1049,7 @@
           </a:ln>
           <a:extLst>
             <a:ext uri="{C572A759-6A51-4108-AA02-DFA0A04FC94B}">
-              <ma14:wrappingTextBoxFlag xmlns="" xmlns:ma14="http://schemas.microsoft.com/office/mac/drawingml/2011/main" val="1"/>
+              <ma14:wrappingTextBoxFlag xmlns:ma14="http://schemas.microsoft.com/office/mac/drawingml/2011/main" xmlns="" val="1"/>
             </a:ext>
           </a:extLst>
         </p:spPr>
@@ -1176,7 +1199,7 @@
           </a:ln>
           <a:extLst>
             <a:ext uri="{C572A759-6A51-4108-AA02-DFA0A04FC94B}">
-              <ma14:wrappingTextBoxFlag xmlns="" xmlns:ma14="http://schemas.microsoft.com/office/mac/drawingml/2011/main" val="1"/>
+              <ma14:wrappingTextBoxFlag xmlns:ma14="http://schemas.microsoft.com/office/mac/drawingml/2011/main" xmlns="" val="1"/>
             </a:ext>
           </a:extLst>
         </p:spPr>
@@ -1305,7 +1328,7 @@
           </a:ln>
           <a:extLst>
             <a:ext uri="{C572A759-6A51-4108-AA02-DFA0A04FC94B}">
-              <ma14:wrappingTextBoxFlag xmlns="" xmlns:ma14="http://schemas.microsoft.com/office/mac/drawingml/2011/main" val="1"/>
+              <ma14:wrappingTextBoxFlag xmlns:ma14="http://schemas.microsoft.com/office/mac/drawingml/2011/main" xmlns="" val="1"/>
             </a:ext>
           </a:extLst>
         </p:spPr>
@@ -1418,7 +1441,7 @@
           </a:ln>
           <a:extLst>
             <a:ext uri="{C572A759-6A51-4108-AA02-DFA0A04FC94B}">
-              <ma14:wrappingTextBoxFlag xmlns="" xmlns:ma14="http://schemas.microsoft.com/office/mac/drawingml/2011/main" val="1"/>
+              <ma14:wrappingTextBoxFlag xmlns:ma14="http://schemas.microsoft.com/office/mac/drawingml/2011/main" xmlns="" val="1"/>
             </a:ext>
           </a:extLst>
         </p:spPr>
@@ -1568,7 +1591,7 @@
           </a:ln>
           <a:extLst>
             <a:ext uri="{C572A759-6A51-4108-AA02-DFA0A04FC94B}">
-              <ma14:wrappingTextBoxFlag xmlns="" xmlns:ma14="http://schemas.microsoft.com/office/mac/drawingml/2011/main" val="1"/>
+              <ma14:wrappingTextBoxFlag xmlns:ma14="http://schemas.microsoft.com/office/mac/drawingml/2011/main" xmlns="" val="1"/>
             </a:ext>
           </a:extLst>
         </p:spPr>
@@ -1718,7 +1741,7 @@
           </a:ln>
           <a:extLst>
             <a:ext uri="{C572A759-6A51-4108-AA02-DFA0A04FC94B}">
-              <ma14:wrappingTextBoxFlag xmlns="" xmlns:ma14="http://schemas.microsoft.com/office/mac/drawingml/2011/main" val="1"/>
+              <ma14:wrappingTextBoxFlag xmlns:ma14="http://schemas.microsoft.com/office/mac/drawingml/2011/main" xmlns="" val="1"/>
             </a:ext>
           </a:extLst>
         </p:spPr>
@@ -1868,7 +1891,7 @@
           </a:ln>
           <a:extLst>
             <a:ext uri="{C572A759-6A51-4108-AA02-DFA0A04FC94B}">
-              <ma14:wrappingTextBoxFlag xmlns="" xmlns:ma14="http://schemas.microsoft.com/office/mac/drawingml/2011/main" val="1"/>
+              <ma14:wrappingTextBoxFlag xmlns:ma14="http://schemas.microsoft.com/office/mac/drawingml/2011/main" xmlns="" val="1"/>
             </a:ext>
           </a:extLst>
         </p:spPr>
@@ -2912,7 +2935,7 @@
           </a:prstGeom>
           <a:extLst>
             <a:ext uri="{C572A759-6A51-4108-AA02-DFA0A04FC94B}">
-              <ma14:wrappingTextBoxFlag xmlns="" xmlns:ma14="http://schemas.microsoft.com/office/mac/drawingml/2011/main" val="1"/>
+              <ma14:wrappingTextBoxFlag xmlns:ma14="http://schemas.microsoft.com/office/mac/drawingml/2011/main" xmlns="" val="1"/>
             </a:ext>
           </a:extLst>
         </p:spPr>
@@ -3023,7 +3046,7 @@
           </a:ln>
           <a:extLst>
             <a:ext uri="{C572A759-6A51-4108-AA02-DFA0A04FC94B}">
-              <ma14:wrappingTextBoxFlag xmlns="" xmlns:ma14="http://schemas.microsoft.com/office/mac/drawingml/2011/main" val="1"/>
+              <ma14:wrappingTextBoxFlag xmlns:ma14="http://schemas.microsoft.com/office/mac/drawingml/2011/main" xmlns="" val="1"/>
             </a:ext>
           </a:extLst>
         </p:spPr>
@@ -3324,7 +3347,7 @@
           </a:prstGeom>
           <a:extLst>
             <a:ext uri="{C572A759-6A51-4108-AA02-DFA0A04FC94B}">
-              <ma14:wrappingTextBoxFlag xmlns="" xmlns:ma14="http://schemas.microsoft.com/office/mac/drawingml/2011/main" val="1"/>
+              <ma14:wrappingTextBoxFlag xmlns:ma14="http://schemas.microsoft.com/office/mac/drawingml/2011/main" xmlns="" val="1"/>
             </a:ext>
           </a:extLst>
         </p:spPr>
@@ -3358,7 +3381,7 @@
           </a:ln>
           <a:extLst>
             <a:ext uri="{C572A759-6A51-4108-AA02-DFA0A04FC94B}">
-              <ma14:wrappingTextBoxFlag xmlns="" xmlns:ma14="http://schemas.microsoft.com/office/mac/drawingml/2011/main" val="1"/>
+              <ma14:wrappingTextBoxFlag xmlns:ma14="http://schemas.microsoft.com/office/mac/drawingml/2011/main" xmlns="" val="1"/>
             </a:ext>
           </a:extLst>
         </p:spPr>
@@ -3411,7 +3434,7 @@
           </a:ln>
           <a:extLst>
             <a:ext uri="{C572A759-6A51-4108-AA02-DFA0A04FC94B}">
-              <ma14:wrappingTextBoxFlag xmlns="" xmlns:ma14="http://schemas.microsoft.com/office/mac/drawingml/2011/main" val="1"/>
+              <ma14:wrappingTextBoxFlag xmlns:ma14="http://schemas.microsoft.com/office/mac/drawingml/2011/main" xmlns="" val="1"/>
             </a:ext>
           </a:extLst>
         </p:spPr>
@@ -3465,7 +3488,7 @@
           </a:ln>
           <a:extLst>
             <a:ext uri="{C572A759-6A51-4108-AA02-DFA0A04FC94B}">
-              <ma14:wrappingTextBoxFlag xmlns="" xmlns:ma14="http://schemas.microsoft.com/office/mac/drawingml/2011/main" val="1"/>
+              <ma14:wrappingTextBoxFlag xmlns:ma14="http://schemas.microsoft.com/office/mac/drawingml/2011/main" xmlns="" val="1"/>
             </a:ext>
           </a:extLst>
         </p:spPr>
@@ -3582,7 +3605,7 @@
           </a:ln>
           <a:extLst>
             <a:ext uri="{C572A759-6A51-4108-AA02-DFA0A04FC94B}">
-              <ma14:wrappingTextBoxFlag xmlns="" xmlns:ma14="http://schemas.microsoft.com/office/mac/drawingml/2011/main" val="1"/>
+              <ma14:wrappingTextBoxFlag xmlns:ma14="http://schemas.microsoft.com/office/mac/drawingml/2011/main" xmlns="" val="1"/>
             </a:ext>
           </a:extLst>
         </p:spPr>
@@ -3668,7 +3691,7 @@
           </a:ln>
           <a:extLst>
             <a:ext uri="{C572A759-6A51-4108-AA02-DFA0A04FC94B}">
-              <ma14:wrappingTextBoxFlag xmlns="" xmlns:ma14="http://schemas.microsoft.com/office/mac/drawingml/2011/main" val="1"/>
+              <ma14:wrappingTextBoxFlag xmlns:ma14="http://schemas.microsoft.com/office/mac/drawingml/2011/main" xmlns="" val="1"/>
             </a:ext>
           </a:extLst>
         </p:spPr>
@@ -4008,7 +4031,7 @@
           </a:ln>
           <a:extLst>
             <a:ext uri="{C572A759-6A51-4108-AA02-DFA0A04FC94B}">
-              <ma14:wrappingTextBoxFlag xmlns="" xmlns:ma14="http://schemas.microsoft.com/office/mac/drawingml/2011/main" val="1"/>
+              <ma14:wrappingTextBoxFlag xmlns:ma14="http://schemas.microsoft.com/office/mac/drawingml/2011/main" xmlns="" val="1"/>
             </a:ext>
           </a:extLst>
         </p:spPr>
@@ -4167,7 +4190,7 @@
           </a:prstGeom>
           <a:extLst>
             <a:ext uri="{C572A759-6A51-4108-AA02-DFA0A04FC94B}">
-              <ma14:wrappingTextBoxFlag xmlns="" xmlns:ma14="http://schemas.microsoft.com/office/mac/drawingml/2011/main" val="1"/>
+              <ma14:wrappingTextBoxFlag xmlns:ma14="http://schemas.microsoft.com/office/mac/drawingml/2011/main" xmlns="" val="1"/>
             </a:ext>
           </a:extLst>
         </p:spPr>
@@ -4237,7 +4260,7 @@
           </a:ln>
           <a:extLst>
             <a:ext uri="{C572A759-6A51-4108-AA02-DFA0A04FC94B}">
-              <ma14:wrappingTextBoxFlag xmlns="" xmlns:ma14="http://schemas.microsoft.com/office/mac/drawingml/2011/main" val="1"/>
+              <ma14:wrappingTextBoxFlag xmlns:ma14="http://schemas.microsoft.com/office/mac/drawingml/2011/main" xmlns="" val="1"/>
             </a:ext>
           </a:extLst>
         </p:spPr>
@@ -4546,7 +4569,7 @@
           </a:prstGeom>
           <a:extLst>
             <a:ext uri="{C572A759-6A51-4108-AA02-DFA0A04FC94B}">
-              <ma14:wrappingTextBoxFlag xmlns="" xmlns:ma14="http://schemas.microsoft.com/office/mac/drawingml/2011/main" val="1"/>
+              <ma14:wrappingTextBoxFlag xmlns:ma14="http://schemas.microsoft.com/office/mac/drawingml/2011/main" xmlns="" val="1"/>
             </a:ext>
           </a:extLst>
         </p:spPr>
@@ -4580,7 +4603,7 @@
           </a:ln>
           <a:extLst>
             <a:ext uri="{C572A759-6A51-4108-AA02-DFA0A04FC94B}">
-              <ma14:wrappingTextBoxFlag xmlns="" xmlns:ma14="http://schemas.microsoft.com/office/mac/drawingml/2011/main" val="1"/>
+              <ma14:wrappingTextBoxFlag xmlns:ma14="http://schemas.microsoft.com/office/mac/drawingml/2011/main" xmlns="" val="1"/>
             </a:ext>
           </a:extLst>
         </p:spPr>

--- a/docs/мой_семинар/2.1 Пишем ТЗ и планируем.pptx
+++ b/docs/мой_семинар/2.1 Пишем ТЗ и планируем.pptx
@@ -677,7 +677,100 @@
           <a:bodyPr/>
           <a:lstStyle/>
           <a:p>
-            <a:endParaRPr lang="ru-RU"/>
+            <a:r>
+              <a:rPr lang="ru-RU" b="1" dirty="0">
+                <a:solidFill>
+                  <a:schemeClr val="bg1"/>
+                </a:solidFill>
+              </a:rPr>
+              <a:t>Четкое определение требований</a:t>
+            </a:r>
+            <a:r>
+              <a:rPr lang="ru-RU" dirty="0">
+                <a:solidFill>
+                  <a:schemeClr val="bg1"/>
+                </a:solidFill>
+              </a:rPr>
+              <a:t>: описывает функциональные и технические требования к продукту или услуге, что позволяет избежать недоразумений между всеми участниками проекта.</a:t>
+            </a:r>
+          </a:p>
+          <a:p>
+            <a:endParaRPr lang="ru-RU" dirty="0">
+              <a:solidFill>
+                <a:schemeClr val="bg1"/>
+              </a:solidFill>
+            </a:endParaRPr>
+          </a:p>
+          <a:p>
+            <a:r>
+              <a:rPr lang="ru-RU" b="1" dirty="0">
+                <a:solidFill>
+                  <a:schemeClr val="bg1"/>
+                </a:solidFill>
+              </a:rPr>
+              <a:t>Планирование ресурсов и сроков</a:t>
+            </a:r>
+            <a:r>
+              <a:rPr lang="ru-RU" dirty="0">
+                <a:solidFill>
+                  <a:schemeClr val="bg1"/>
+                </a:solidFill>
+              </a:rPr>
+              <a:t>: помогает оценить необходимые ресурсы, сроки выполнения работ и требуемые компетенции для успешной реализации.</a:t>
+            </a:r>
+          </a:p>
+          <a:p>
+            <a:endParaRPr lang="ru-RU" dirty="0">
+              <a:solidFill>
+                <a:schemeClr val="bg1"/>
+              </a:solidFill>
+            </a:endParaRPr>
+          </a:p>
+          <a:p>
+            <a:r>
+              <a:rPr lang="ru-RU" b="1" dirty="0">
+                <a:solidFill>
+                  <a:schemeClr val="bg1"/>
+                </a:solidFill>
+              </a:rPr>
+              <a:t>Контроль качества и выполнения</a:t>
+            </a:r>
+            <a:r>
+              <a:rPr lang="ru-RU" dirty="0">
+                <a:solidFill>
+                  <a:schemeClr val="bg1"/>
+                </a:solidFill>
+              </a:rPr>
+              <a:t>: служит основой для проверки выполнения задач. Это документ, по которому можно проверить соответствие конечного результата ожиданиям.</a:t>
+            </a:r>
+          </a:p>
+          <a:p>
+            <a:endParaRPr lang="ru-RU" dirty="0">
+              <a:solidFill>
+                <a:schemeClr val="bg1"/>
+              </a:solidFill>
+            </a:endParaRPr>
+          </a:p>
+          <a:p>
+            <a:r>
+              <a:rPr lang="ru-RU" b="1" dirty="0">
+                <a:solidFill>
+                  <a:schemeClr val="bg1"/>
+                </a:solidFill>
+              </a:rPr>
+              <a:t>Юридическая защита</a:t>
+            </a:r>
+            <a:r>
+              <a:rPr lang="ru-RU" dirty="0">
+                <a:solidFill>
+                  <a:schemeClr val="bg1"/>
+                </a:solidFill>
+              </a:rPr>
+              <a:t>: в случае споров ТЗ может быть использовано для определения, выполнены ли условия договора.</a:t>
+            </a:r>
+          </a:p>
+          <a:p>
+            <a:endParaRPr lang="ru-RU" dirty="0"/>
           </a:p>
         </p:txBody>
       </p:sp>
@@ -1049,7 +1142,7 @@
           </a:ln>
           <a:extLst>
             <a:ext uri="{C572A759-6A51-4108-AA02-DFA0A04FC94B}">
-              <ma14:wrappingTextBoxFlag xmlns:ma14="http://schemas.microsoft.com/office/mac/drawingml/2011/main" xmlns="" val="1"/>
+              <ma14:wrappingTextBoxFlag xmlns="" xmlns:ma14="http://schemas.microsoft.com/office/mac/drawingml/2011/main" val="1"/>
             </a:ext>
           </a:extLst>
         </p:spPr>
@@ -1199,7 +1292,7 @@
           </a:ln>
           <a:extLst>
             <a:ext uri="{C572A759-6A51-4108-AA02-DFA0A04FC94B}">
-              <ma14:wrappingTextBoxFlag xmlns:ma14="http://schemas.microsoft.com/office/mac/drawingml/2011/main" xmlns="" val="1"/>
+              <ma14:wrappingTextBoxFlag xmlns="" xmlns:ma14="http://schemas.microsoft.com/office/mac/drawingml/2011/main" val="1"/>
             </a:ext>
           </a:extLst>
         </p:spPr>
@@ -1328,7 +1421,7 @@
           </a:ln>
           <a:extLst>
             <a:ext uri="{C572A759-6A51-4108-AA02-DFA0A04FC94B}">
-              <ma14:wrappingTextBoxFlag xmlns:ma14="http://schemas.microsoft.com/office/mac/drawingml/2011/main" xmlns="" val="1"/>
+              <ma14:wrappingTextBoxFlag xmlns="" xmlns:ma14="http://schemas.microsoft.com/office/mac/drawingml/2011/main" val="1"/>
             </a:ext>
           </a:extLst>
         </p:spPr>
@@ -1441,7 +1534,7 @@
           </a:ln>
           <a:extLst>
             <a:ext uri="{C572A759-6A51-4108-AA02-DFA0A04FC94B}">
-              <ma14:wrappingTextBoxFlag xmlns:ma14="http://schemas.microsoft.com/office/mac/drawingml/2011/main" xmlns="" val="1"/>
+              <ma14:wrappingTextBoxFlag xmlns="" xmlns:ma14="http://schemas.microsoft.com/office/mac/drawingml/2011/main" val="1"/>
             </a:ext>
           </a:extLst>
         </p:spPr>
@@ -1591,7 +1684,7 @@
           </a:ln>
           <a:extLst>
             <a:ext uri="{C572A759-6A51-4108-AA02-DFA0A04FC94B}">
-              <ma14:wrappingTextBoxFlag xmlns:ma14="http://schemas.microsoft.com/office/mac/drawingml/2011/main" xmlns="" val="1"/>
+              <ma14:wrappingTextBoxFlag xmlns="" xmlns:ma14="http://schemas.microsoft.com/office/mac/drawingml/2011/main" val="1"/>
             </a:ext>
           </a:extLst>
         </p:spPr>
@@ -1741,7 +1834,7 @@
           </a:ln>
           <a:extLst>
             <a:ext uri="{C572A759-6A51-4108-AA02-DFA0A04FC94B}">
-              <ma14:wrappingTextBoxFlag xmlns:ma14="http://schemas.microsoft.com/office/mac/drawingml/2011/main" xmlns="" val="1"/>
+              <ma14:wrappingTextBoxFlag xmlns="" xmlns:ma14="http://schemas.microsoft.com/office/mac/drawingml/2011/main" val="1"/>
             </a:ext>
           </a:extLst>
         </p:spPr>
@@ -1891,7 +1984,7 @@
           </a:ln>
           <a:extLst>
             <a:ext uri="{C572A759-6A51-4108-AA02-DFA0A04FC94B}">
-              <ma14:wrappingTextBoxFlag xmlns:ma14="http://schemas.microsoft.com/office/mac/drawingml/2011/main" xmlns="" val="1"/>
+              <ma14:wrappingTextBoxFlag xmlns="" xmlns:ma14="http://schemas.microsoft.com/office/mac/drawingml/2011/main" val="1"/>
             </a:ext>
           </a:extLst>
         </p:spPr>
@@ -2935,7 +3028,7 @@
           </a:prstGeom>
           <a:extLst>
             <a:ext uri="{C572A759-6A51-4108-AA02-DFA0A04FC94B}">
-              <ma14:wrappingTextBoxFlag xmlns:ma14="http://schemas.microsoft.com/office/mac/drawingml/2011/main" xmlns="" val="1"/>
+              <ma14:wrappingTextBoxFlag xmlns="" xmlns:ma14="http://schemas.microsoft.com/office/mac/drawingml/2011/main" val="1"/>
             </a:ext>
           </a:extLst>
         </p:spPr>
@@ -3046,7 +3139,7 @@
           </a:ln>
           <a:extLst>
             <a:ext uri="{C572A759-6A51-4108-AA02-DFA0A04FC94B}">
-              <ma14:wrappingTextBoxFlag xmlns:ma14="http://schemas.microsoft.com/office/mac/drawingml/2011/main" xmlns="" val="1"/>
+              <ma14:wrappingTextBoxFlag xmlns="" xmlns:ma14="http://schemas.microsoft.com/office/mac/drawingml/2011/main" val="1"/>
             </a:ext>
           </a:extLst>
         </p:spPr>
@@ -3347,7 +3440,7 @@
           </a:prstGeom>
           <a:extLst>
             <a:ext uri="{C572A759-6A51-4108-AA02-DFA0A04FC94B}">
-              <ma14:wrappingTextBoxFlag xmlns:ma14="http://schemas.microsoft.com/office/mac/drawingml/2011/main" xmlns="" val="1"/>
+              <ma14:wrappingTextBoxFlag xmlns="" xmlns:ma14="http://schemas.microsoft.com/office/mac/drawingml/2011/main" val="1"/>
             </a:ext>
           </a:extLst>
         </p:spPr>
@@ -3381,7 +3474,7 @@
           </a:ln>
           <a:extLst>
             <a:ext uri="{C572A759-6A51-4108-AA02-DFA0A04FC94B}">
-              <ma14:wrappingTextBoxFlag xmlns:ma14="http://schemas.microsoft.com/office/mac/drawingml/2011/main" xmlns="" val="1"/>
+              <ma14:wrappingTextBoxFlag xmlns="" xmlns:ma14="http://schemas.microsoft.com/office/mac/drawingml/2011/main" val="1"/>
             </a:ext>
           </a:extLst>
         </p:spPr>
@@ -3434,7 +3527,7 @@
           </a:ln>
           <a:extLst>
             <a:ext uri="{C572A759-6A51-4108-AA02-DFA0A04FC94B}">
-              <ma14:wrappingTextBoxFlag xmlns:ma14="http://schemas.microsoft.com/office/mac/drawingml/2011/main" xmlns="" val="1"/>
+              <ma14:wrappingTextBoxFlag xmlns="" xmlns:ma14="http://schemas.microsoft.com/office/mac/drawingml/2011/main" val="1"/>
             </a:ext>
           </a:extLst>
         </p:spPr>
@@ -3488,7 +3581,7 @@
           </a:ln>
           <a:extLst>
             <a:ext uri="{C572A759-6A51-4108-AA02-DFA0A04FC94B}">
-              <ma14:wrappingTextBoxFlag xmlns:ma14="http://schemas.microsoft.com/office/mac/drawingml/2011/main" xmlns="" val="1"/>
+              <ma14:wrappingTextBoxFlag xmlns="" xmlns:ma14="http://schemas.microsoft.com/office/mac/drawingml/2011/main" val="1"/>
             </a:ext>
           </a:extLst>
         </p:spPr>
@@ -3572,7 +3665,7 @@
         </p:blipFill>
         <p:spPr>
           <a:xfrm>
-            <a:off x="3136498" y="1961804"/>
+            <a:off x="3136498" y="1745672"/>
             <a:ext cx="13843804" cy="8323444"/>
           </a:xfrm>
           <a:prstGeom prst="rect">
@@ -3605,7 +3698,7 @@
           </a:ln>
           <a:extLst>
             <a:ext uri="{C572A759-6A51-4108-AA02-DFA0A04FC94B}">
-              <ma14:wrappingTextBoxFlag xmlns:ma14="http://schemas.microsoft.com/office/mac/drawingml/2011/main" xmlns="" val="1"/>
+              <ma14:wrappingTextBoxFlag xmlns="" xmlns:ma14="http://schemas.microsoft.com/office/mac/drawingml/2011/main" val="1"/>
             </a:ext>
           </a:extLst>
         </p:spPr>
@@ -3691,7 +3784,7 @@
           </a:ln>
           <a:extLst>
             <a:ext uri="{C572A759-6A51-4108-AA02-DFA0A04FC94B}">
-              <ma14:wrappingTextBoxFlag xmlns:ma14="http://schemas.microsoft.com/office/mac/drawingml/2011/main" xmlns="" val="1"/>
+              <ma14:wrappingTextBoxFlag xmlns="" xmlns:ma14="http://schemas.microsoft.com/office/mac/drawingml/2011/main" val="1"/>
             </a:ext>
           </a:extLst>
         </p:spPr>
@@ -4031,7 +4124,7 @@
           </a:ln>
           <a:extLst>
             <a:ext uri="{C572A759-6A51-4108-AA02-DFA0A04FC94B}">
-              <ma14:wrappingTextBoxFlag xmlns:ma14="http://schemas.microsoft.com/office/mac/drawingml/2011/main" xmlns="" val="1"/>
+              <ma14:wrappingTextBoxFlag xmlns="" xmlns:ma14="http://schemas.microsoft.com/office/mac/drawingml/2011/main" val="1"/>
             </a:ext>
           </a:extLst>
         </p:spPr>
@@ -4190,7 +4283,7 @@
           </a:prstGeom>
           <a:extLst>
             <a:ext uri="{C572A759-6A51-4108-AA02-DFA0A04FC94B}">
-              <ma14:wrappingTextBoxFlag xmlns:ma14="http://schemas.microsoft.com/office/mac/drawingml/2011/main" xmlns="" val="1"/>
+              <ma14:wrappingTextBoxFlag xmlns="" xmlns:ma14="http://schemas.microsoft.com/office/mac/drawingml/2011/main" val="1"/>
             </a:ext>
           </a:extLst>
         </p:spPr>
@@ -4260,7 +4353,7 @@
           </a:ln>
           <a:extLst>
             <a:ext uri="{C572A759-6A51-4108-AA02-DFA0A04FC94B}">
-              <ma14:wrappingTextBoxFlag xmlns:ma14="http://schemas.microsoft.com/office/mac/drawingml/2011/main" xmlns="" val="1"/>
+              <ma14:wrappingTextBoxFlag xmlns="" xmlns:ma14="http://schemas.microsoft.com/office/mac/drawingml/2011/main" val="1"/>
             </a:ext>
           </a:extLst>
         </p:spPr>
@@ -4569,7 +4662,7 @@
           </a:prstGeom>
           <a:extLst>
             <a:ext uri="{C572A759-6A51-4108-AA02-DFA0A04FC94B}">
-              <ma14:wrappingTextBoxFlag xmlns:ma14="http://schemas.microsoft.com/office/mac/drawingml/2011/main" xmlns="" val="1"/>
+              <ma14:wrappingTextBoxFlag xmlns="" xmlns:ma14="http://schemas.microsoft.com/office/mac/drawingml/2011/main" val="1"/>
             </a:ext>
           </a:extLst>
         </p:spPr>
@@ -4603,7 +4696,7 @@
           </a:ln>
           <a:extLst>
             <a:ext uri="{C572A759-6A51-4108-AA02-DFA0A04FC94B}">
-              <ma14:wrappingTextBoxFlag xmlns:ma14="http://schemas.microsoft.com/office/mac/drawingml/2011/main" xmlns="" val="1"/>
+              <ma14:wrappingTextBoxFlag xmlns="" xmlns:ma14="http://schemas.microsoft.com/office/mac/drawingml/2011/main" val="1"/>
             </a:ext>
           </a:extLst>
         </p:spPr>
